--- a/Azure Functions.pptx
+++ b/Azure Functions.pptx
@@ -22624,21 +22624,6 @@
             <a:endParaRPr lang="en-US" dirty="0"/>
           </a:p>
           <a:p>
-            <a:endParaRPr lang="en-US" dirty="0"/>
-          </a:p>
-          <a:p>
-            <a:endParaRPr lang="en-US" dirty="0"/>
-          </a:p>
-          <a:p>
-            <a:endParaRPr lang="en-US" dirty="0"/>
-          </a:p>
-          <a:p>
-            <a:pPr marL="0" indent="0">
-              <a:buNone/>
-            </a:pPr>
-            <a:endParaRPr lang="en-US" dirty="0"/>
-          </a:p>
-          <a:p>
             <a:r>
               <a:rPr lang="en-US" dirty="0"/>
               <a:t>A</a:t>
@@ -22682,7 +22667,7 @@
         </p:blipFill>
         <p:spPr bwMode="auto">
           <a:xfrm>
-            <a:off x="1133655" y="1927348"/>
+            <a:off x="3741724" y="1270000"/>
             <a:ext cx="3074401" cy="1840596"/>
           </a:xfrm>
           <a:prstGeom prst="rect">
@@ -22722,7 +22707,7 @@
         </p:blipFill>
         <p:spPr>
           <a:xfrm>
-            <a:off x="5093363" y="1641095"/>
+            <a:off x="7521682" y="3489311"/>
             <a:ext cx="1952616" cy="2126849"/>
           </a:xfrm>
           <a:prstGeom prst="rect">
@@ -22806,7 +22791,7 @@
         </p:blipFill>
         <p:spPr bwMode="auto">
           <a:xfrm>
-            <a:off x="1133655" y="4455397"/>
+            <a:off x="1188656" y="3461151"/>
             <a:ext cx="5682470" cy="2126849"/>
           </a:xfrm>
           <a:prstGeom prst="rect">
